--- a/아나콘다_주피터노트북 설치 및 설정.pptx
+++ b/아나콘다_주피터노트북 설치 및 설정.pptx
@@ -41,7 +41,9 @@
     <p:sldId id="283" r:id="rId31"/>
     <p:sldId id="284" r:id="rId32"/>
     <p:sldId id="285" r:id="rId33"/>
-    <p:sldId id="286" r:id="rId34"/>
+    <p:sldId id="287" r:id="rId34"/>
+    <p:sldId id="288" r:id="rId35"/>
+    <p:sldId id="286" r:id="rId36"/>
   </p:sldIdLst>
   <p:sldSz cx="10080000" cy="5670000"/>
   <p:notesSz cx="7560000" cy="10692000"/>
@@ -5554,8 +5556,19 @@
                 <a:spcPct val="100000"/>
               </a:lnSpc>
               <a:buNone/>
-              <a:tabLst/>
-            </a:pPr>
+              <a:defRPr/>
+            </a:pPr>
+            <a:r>
+              <a:rPr lang="en-US" altLang="ko-KR" sz="1800">
+                <a:solidFill>
+                  <a:srgbClr val="000000"/>
+                </a:solidFill>
+                <a:latin typeface="Lucida Sans"/>
+                <a:ea typeface="나눔고딕"/>
+                <a:cs typeface="Lucida Sans"/>
+              </a:rPr>
+              <a:t>All Users</a:t>
+            </a:r>
             <a:r>
               <a:rPr lang="en-US" sz="1800">
                 <a:solidFill>
@@ -5565,11 +5578,21 @@
                 <a:ea typeface="나눔고딕"/>
                 <a:cs typeface="Lucida Sans"/>
               </a:rPr>
-              <a:t>Just Me로 설치</a:t>
-            </a:r>
-            <a:endParaRPr lang="en-US" altLang="ko-KR"/>
-          </a:p>
-          <a:p>
+              <a:t>로 설치</a:t>
+            </a:r>
+            <a:endParaRPr lang="en-US" sz="1800">
+              <a:solidFill>
+                <a:srgbClr val="000000"/>
+              </a:solidFill>
+              <a:latin typeface="Lucida Sans"/>
+              <a:ea typeface="나눔고딕"/>
+              <a:cs typeface="Lucida Sans"/>
+            </a:endParaRPr>
+          </a:p>
+          <a:p>
+            <a:pPr lvl="0">
+              <a:defRPr/>
+            </a:pPr>
             <a:endParaRPr lang="en-US" altLang="ko-KR"/>
           </a:p>
         </p:txBody>
@@ -5712,6 +5735,17 @@
               <a:defRPr/>
             </a:pPr>
             <a:r>
+              <a:rPr lang="en-US" altLang="ko-KR">
+                <a:solidFill>
+                  <a:srgbClr val="000000"/>
+                </a:solidFill>
+                <a:latin typeface="Lucida Sans"/>
+                <a:ea typeface="나눔고딕"/>
+                <a:cs typeface="Lucida Sans"/>
+              </a:rPr>
+              <a:t>All Users</a:t>
+            </a:r>
+            <a:r>
               <a:rPr lang="en-US">
                 <a:solidFill>
                   <a:srgbClr val="000000"/>
@@ -5720,9 +5754,16 @@
                 <a:ea typeface="나눔고딕"/>
                 <a:cs typeface="Lucida Sans"/>
               </a:rPr>
-              <a:t>Just Me로 설치</a:t>
-            </a:r>
-            <a:endParaRPr lang="ko-KR" altLang="en-US"/>
+              <a:t>로 설치</a:t>
+            </a:r>
+            <a:endParaRPr lang="en-US">
+              <a:solidFill>
+                <a:srgbClr val="000000"/>
+              </a:solidFill>
+              <a:latin typeface="Lucida Sans"/>
+              <a:ea typeface="나눔고딕"/>
+              <a:cs typeface="Lucida Sans"/>
+            </a:endParaRPr>
           </a:p>
         </p:txBody>
       </p:sp>
@@ -5731,14 +5772,6 @@
   <p:clrMapOvr>
     <a:masterClrMapping/>
   </p:clrMapOvr>
-  <mc:AlternateContent xmlns:mc="http://schemas.openxmlformats.org/markup-compatibility/2006">
-    <mc:Choice xmlns:p14="http://schemas.microsoft.com/office/powerpoint/2010/main" Requires="p14">
-      <p:transition xmlns:mc="http://schemas.openxmlformats.org/markup-compatibility/2006" xmlns:p14="http://schemas.microsoft.com/office/powerpoint/2010/main" mc:Ignorable="p14" p14:dur="500"/>
-    </mc:Choice>
-    <mc:Fallback>
-      <p:transition/>
-    </mc:Fallback>
-  </mc:AlternateContent>
 </p:sld>
 </file>
 
@@ -12174,6 +12207,438 @@
 </file>
 
 <file path=ppt/slides/slide31.xml><?xml version="1.0" encoding="utf-8"?>
+<p:sld xmlns:r="http://schemas.openxmlformats.org/officeDocument/2006/relationships" xmlns:c="http://schemas.openxmlformats.org/drawingml/2006/chart" xmlns:a="http://schemas.openxmlformats.org/drawingml/2006/main" xmlns:dgm="http://schemas.openxmlformats.org/drawingml/2006/diagram" xmlns:dsp="http://schemas.microsoft.com/office/drawing/2008/diagram" xmlns:p="http://schemas.openxmlformats.org/presentationml/2006/main">
+  <p:cSld>
+    <p:spTree>
+      <p:nvGrpSpPr>
+        <p:cNvPr id="1" name=""/>
+        <p:cNvGrpSpPr/>
+        <p:nvPr/>
+      </p:nvGrpSpPr>
+      <p:grpSpPr>
+        <a:xfrm>
+          <a:off x="0" y="0"/>
+          <a:ext cx="0" cy="0"/>
+          <a:chOff x="0" y="0"/>
+          <a:chExt cx="0" cy="0"/>
+        </a:xfrm>
+      </p:grpSpPr>
+      <p:pic>
+        <p:nvPicPr>
+          <p:cNvPr id="3" name=""/>
+          <p:cNvPicPr>
+            <a:picLocks noGrp="1" noChangeAspect="1"/>
+          </p:cNvPicPr>
+          <p:nvPr>
+            <p:ph idx="1"/>
+          </p:nvPr>
+        </p:nvPicPr>
+        <p:blipFill rotWithShape="1">
+          <a:blip r:embed="rId2"/>
+          <a:stretch>
+            <a:fillRect/>
+          </a:stretch>
+        </p:blipFill>
+        <p:spPr>
+          <a:xfrm>
+            <a:off x="647512" y="1066694"/>
+            <a:ext cx="5264451" cy="4603305"/>
+          </a:xfrm>
+          <a:prstGeom prst="rect">
+            <a:avLst/>
+          </a:prstGeom>
+          <a:noFill/>
+          <a:ln w="9525" cap="flat" cmpd="sng" algn="ctr">
+            <a:noFill/>
+            <a:prstDash val="solid"/>
+            <a:round/>
+            <a:headEnd w="med" len="med"/>
+            <a:tailEnd w="med" len="med"/>
+          </a:ln>
+        </p:spPr>
+      </p:pic>
+      <p:sp>
+        <p:nvSpPr>
+          <p:cNvPr id="4" name="직사각형 3"/>
+          <p:cNvSpPr>
+            <a:spLocks noGrp="1"/>
+          </p:cNvSpPr>
+          <p:nvPr>
+            <p:ph type="title" idx="0"/>
+          </p:nvPr>
+        </p:nvSpPr>
+        <p:spPr>
+          <a:xfrm>
+            <a:off x="504180" y="232376"/>
+            <a:ext cx="9071640" cy="946440"/>
+          </a:xfrm>
+          <a:prstGeom prst="rect">
+            <a:avLst/>
+          </a:prstGeom>
+          <a:noFill/>
+          <a:ln>
+            <a:noFill/>
+            <a:prstDash val="solid"/>
+          </a:ln>
+        </p:spPr>
+        <p:txBody>
+          <a:bodyPr vert="horz" wrap="square" anchor="ctr" anchorCtr="0">
+            <a:noAutofit/>
+          </a:bodyPr>
+          <a:p>
+            <a:pPr marL="0" lvl="0" indent="0" algn="ctr" rtl="0" eaLnBrk="1" latinLnBrk="0" hangingPunct="0">
+              <a:lnSpc>
+                <a:spcPct val="100000"/>
+              </a:lnSpc>
+              <a:spcBef>
+                <a:spcPts val="0"/>
+              </a:spcBef>
+              <a:spcAft>
+                <a:spcPts val="0"/>
+              </a:spcAft>
+              <a:buNone/>
+              <a:defRPr/>
+            </a:pPr>
+            <a:r>
+              <a:rPr xmlns:mc="http://schemas.openxmlformats.org/markup-compatibility/2006" xmlns:hp="http://schemas.haansoft.com/office/presentation/8.0" kumimoji="0" lang="en-US" sz="4400" b="1" i="0" u="none" strike="noStrike" kern="0" cap="none" spc="0" normalizeH="0" baseline="0" mc:Ignorable="hp" hp:hslEmbossed="0">
+                <a:solidFill>
+                  <a:srgbClr val="000000"/>
+                </a:solidFill>
+                <a:latin typeface="Lucida Sans"/>
+                <a:ea typeface="나눔고딕"/>
+                <a:cs typeface="Lucida Sans"/>
+              </a:rPr>
+              <a:t>7. Jupyter Notebook 환경설정</a:t>
+            </a:r>
+            <a:endParaRPr xmlns:mc="http://schemas.openxmlformats.org/markup-compatibility/2006" xmlns:hp="http://schemas.haansoft.com/office/presentation/8.0" kumimoji="0" lang="en-US" sz="4400" b="0" i="0" u="none" strike="noStrike" kern="0" cap="none" spc="0" normalizeH="0" baseline="0" mc:Ignorable="hp" hp:hslEmbossed="0">
+              <a:solidFill>
+                <a:srgbClr val="000000"/>
+              </a:solidFill>
+              <a:latin typeface="나눔고딕"/>
+              <a:ea typeface="나눔고딕"/>
+              <a:cs typeface="'Lucida Sans'"/>
+            </a:endParaRPr>
+          </a:p>
+        </p:txBody>
+      </p:sp>
+      <p:sp>
+        <p:nvSpPr>
+          <p:cNvPr id="5" name="가로 글상자 4"/>
+          <p:cNvSpPr txBox="1"/>
+          <p:nvPr/>
+        </p:nvSpPr>
+        <p:spPr>
+          <a:xfrm>
+            <a:off x="6480158" y="2183473"/>
+            <a:ext cx="3240362" cy="2015147"/>
+          </a:xfrm>
+          <a:prstGeom prst="rect">
+            <a:avLst/>
+          </a:prstGeom>
+        </p:spPr>
+        <p:txBody>
+          <a:bodyPr wrap="square">
+            <a:spAutoFit/>
+          </a:bodyPr>
+          <a:p>
+            <a:pPr marL="257040" lvl="0" indent="-257040">
+              <a:buFont typeface="Arial"/>
+              <a:buChar char="•"/>
+              <a:defRPr/>
+            </a:pPr>
+            <a:r>
+              <a:rPr lang="en-US" altLang="ko-KR"/>
+              <a:t>Jupyter Notebook</a:t>
+            </a:r>
+            <a:r>
+              <a:rPr lang="ko-KR" altLang="en-US"/>
+              <a:t> 아이콘에 마우스를 올려놓고 우측 버튼 클릭</a:t>
+            </a:r>
+            <a:r>
+              <a:rPr lang="en-US" altLang="ko-KR"/>
+              <a:t>.</a:t>
+            </a:r>
+            <a:endParaRPr lang="en-US" altLang="ko-KR"/>
+          </a:p>
+          <a:p>
+            <a:pPr marL="257040" lvl="0" indent="-257040">
+              <a:buFont typeface="Arial"/>
+              <a:buChar char="•"/>
+              <a:defRPr/>
+            </a:pPr>
+            <a:endParaRPr lang="en-US" altLang="ko-KR"/>
+          </a:p>
+          <a:p>
+            <a:pPr marL="257040" lvl="0" indent="-257040">
+              <a:buFont typeface="Arial"/>
+              <a:buChar char="•"/>
+              <a:defRPr/>
+            </a:pPr>
+            <a:r>
+              <a:rPr lang="ko-KR" altLang="en-US"/>
+              <a:t>가장 아래의 속성 클릭</a:t>
+            </a:r>
+            <a:endParaRPr lang="ko-KR" altLang="en-US"/>
+          </a:p>
+          <a:p>
+            <a:pPr marL="257040" lvl="0" indent="-257040">
+              <a:buFont typeface="Arial"/>
+              <a:buChar char="•"/>
+              <a:defRPr/>
+            </a:pPr>
+            <a:r>
+              <a:rPr lang="ko-KR" altLang="en-US"/>
+              <a:t>가장 아래의 속성 클릭</a:t>
+            </a:r>
+            <a:endParaRPr lang="ko-KR" altLang="en-US"/>
+          </a:p>
+          <a:p>
+            <a:pPr lvl="0">
+              <a:defRPr/>
+            </a:pPr>
+            <a:endParaRPr lang="en-US" altLang="ko-KR"/>
+          </a:p>
+        </p:txBody>
+      </p:sp>
+    </p:spTree>
+    <p:extLst>
+      <p:ext uri="{BB962C8B-B14F-4D97-AF65-F5344CB8AC3E}">
+        <p14:creationId xmlns:p14="http://schemas.microsoft.com/office/powerpoint/2010/main" val="2036675956"/>
+      </p:ext>
+    </p:extLst>
+  </p:cSld>
+  <p:clrMapOvr>
+    <a:masterClrMapping/>
+  </p:clrMapOvr>
+</p:sld>
+</file>
+
+<file path=ppt/slides/slide32.xml><?xml version="1.0" encoding="utf-8"?>
+<p:sld xmlns:r="http://schemas.openxmlformats.org/officeDocument/2006/relationships" xmlns:c="http://schemas.openxmlformats.org/drawingml/2006/chart" xmlns:a="http://schemas.openxmlformats.org/drawingml/2006/main" xmlns:dgm="http://schemas.openxmlformats.org/drawingml/2006/diagram" xmlns:dsp="http://schemas.microsoft.com/office/drawing/2008/diagram" xmlns:p="http://schemas.openxmlformats.org/presentationml/2006/main">
+  <p:cSld>
+    <p:spTree>
+      <p:nvGrpSpPr>
+        <p:cNvPr id="1" name=""/>
+        <p:cNvGrpSpPr/>
+        <p:nvPr/>
+      </p:nvGrpSpPr>
+      <p:grpSpPr>
+        <a:xfrm>
+          <a:off x="0" y="0"/>
+          <a:ext cx="0" cy="0"/>
+          <a:chOff x="0" y="0"/>
+          <a:chExt cx="0" cy="0"/>
+        </a:xfrm>
+      </p:grpSpPr>
+      <p:sp>
+        <p:nvSpPr>
+          <p:cNvPr id="4" name="직사각형 3"/>
+          <p:cNvSpPr>
+            <a:spLocks noGrp="1"/>
+          </p:cNvSpPr>
+          <p:nvPr>
+            <p:ph type="title" idx="0"/>
+          </p:nvPr>
+        </p:nvSpPr>
+        <p:spPr>
+          <a:xfrm>
+            <a:off x="504180" y="232376"/>
+            <a:ext cx="9071640" cy="946440"/>
+          </a:xfrm>
+          <a:prstGeom prst="rect">
+            <a:avLst/>
+          </a:prstGeom>
+          <a:noFill/>
+          <a:ln>
+            <a:noFill/>
+            <a:prstDash val="solid"/>
+          </a:ln>
+        </p:spPr>
+        <p:txBody>
+          <a:bodyPr vert="horz" wrap="square" anchor="ctr" anchorCtr="0">
+            <a:noAutofit/>
+          </a:bodyPr>
+          <a:p>
+            <a:pPr marL="0" lvl="0" indent="0" algn="ctr" rtl="0" eaLnBrk="1" latinLnBrk="0" hangingPunct="0">
+              <a:lnSpc>
+                <a:spcPct val="100000"/>
+              </a:lnSpc>
+              <a:spcBef>
+                <a:spcPts val="0"/>
+              </a:spcBef>
+              <a:spcAft>
+                <a:spcPts val="0"/>
+              </a:spcAft>
+              <a:buNone/>
+              <a:defRPr/>
+            </a:pPr>
+            <a:r>
+              <a:rPr xmlns:mc="http://schemas.openxmlformats.org/markup-compatibility/2006" xmlns:hp="http://schemas.haansoft.com/office/presentation/8.0" kumimoji="0" lang="en-US" sz="4400" b="1" i="0" u="none" strike="noStrike" kern="0" cap="none" spc="0" normalizeH="0" baseline="0" mc:Ignorable="hp" hp:hslEmbossed="0">
+                <a:solidFill>
+                  <a:srgbClr val="000000"/>
+                </a:solidFill>
+                <a:latin typeface="Lucida Sans"/>
+                <a:ea typeface="나눔고딕"/>
+                <a:cs typeface="Lucida Sans"/>
+              </a:rPr>
+              <a:t>7. Jupyter Notebook 환경설정</a:t>
+            </a:r>
+            <a:endParaRPr xmlns:mc="http://schemas.openxmlformats.org/markup-compatibility/2006" xmlns:hp="http://schemas.haansoft.com/office/presentation/8.0" kumimoji="0" lang="en-US" sz="4400" b="0" i="0" u="none" strike="noStrike" kern="0" cap="none" spc="0" normalizeH="0" baseline="0" mc:Ignorable="hp" hp:hslEmbossed="0">
+              <a:solidFill>
+                <a:srgbClr val="000000"/>
+              </a:solidFill>
+              <a:latin typeface="나눔고딕"/>
+              <a:ea typeface="나눔고딕"/>
+              <a:cs typeface="'Lucida Sans'"/>
+            </a:endParaRPr>
+          </a:p>
+        </p:txBody>
+      </p:sp>
+      <p:pic>
+        <p:nvPicPr>
+          <p:cNvPr id="5" name="그림 4"/>
+          <p:cNvPicPr>
+            <a:picLocks noChangeAspect="1"/>
+          </p:cNvPicPr>
+          <p:nvPr/>
+        </p:nvPicPr>
+        <p:blipFill rotWithShape="1">
+          <a:blip r:embed="rId2"/>
+          <a:stretch>
+            <a:fillRect/>
+          </a:stretch>
+        </p:blipFill>
+        <p:spPr>
+          <a:xfrm>
+            <a:off x="1292433" y="1106807"/>
+            <a:ext cx="3171502" cy="4563192"/>
+          </a:xfrm>
+          <a:prstGeom prst="rect">
+            <a:avLst/>
+          </a:prstGeom>
+        </p:spPr>
+      </p:pic>
+      <p:sp>
+        <p:nvSpPr>
+          <p:cNvPr id="6" name="아래쪽 화살표 5"/>
+          <p:cNvSpPr/>
+          <p:nvPr/>
+        </p:nvSpPr>
+        <p:spPr>
+          <a:xfrm rot="5861294">
+            <a:off x="4589475" y="2058088"/>
+            <a:ext cx="656529" cy="1553823"/>
+          </a:xfrm>
+          <a:prstGeom prst="downArrow">
+            <a:avLst>
+              <a:gd name="adj1" fmla="val 50000"/>
+              <a:gd name="adj2" fmla="val 50000"/>
+            </a:avLst>
+          </a:prstGeom>
+          <a:solidFill>
+            <a:srgbClr val="ff0000"/>
+          </a:solidFill>
+          <a:ln>
+            <a:noFill/>
+          </a:ln>
+        </p:spPr>
+        <p:style>
+          <a:lnRef idx="2">
+            <a:schemeClr val="accent1">
+              <a:shade val="20000"/>
+            </a:schemeClr>
+          </a:lnRef>
+          <a:fillRef idx="1">
+            <a:schemeClr val="accent1"/>
+          </a:fillRef>
+          <a:effectRef idx="0">
+            <a:schemeClr val="accent1"/>
+          </a:effectRef>
+          <a:fontRef idx="minor">
+            <a:schemeClr val="lt1"/>
+          </a:fontRef>
+        </p:style>
+        <p:txBody>
+          <a:bodyPr anchor="ctr"/>
+          <a:p>
+            <a:pPr lvl="0" algn="ctr">
+              <a:defRPr/>
+            </a:pPr>
+            <a:endParaRPr lang="ko-KR" altLang="en-US"/>
+          </a:p>
+        </p:txBody>
+      </p:sp>
+      <p:sp>
+        <p:nvSpPr>
+          <p:cNvPr id="7" name="가로 글상자 6"/>
+          <p:cNvSpPr txBox="1"/>
+          <p:nvPr/>
+        </p:nvSpPr>
+        <p:spPr>
+          <a:xfrm>
+            <a:off x="5832088" y="2501990"/>
+            <a:ext cx="3096344" cy="909073"/>
+          </a:xfrm>
+          <a:prstGeom prst="rect">
+            <a:avLst/>
+          </a:prstGeom>
+        </p:spPr>
+        <p:txBody>
+          <a:bodyPr wrap="square">
+            <a:spAutoFit/>
+          </a:bodyPr>
+          <a:p>
+            <a:pPr marL="257040" lvl="0" indent="-257040">
+              <a:buFont typeface="Arial"/>
+              <a:buChar char="•"/>
+              <a:defRPr/>
+            </a:pPr>
+            <a:r>
+              <a:rPr lang="ko-KR" altLang="en-US"/>
+              <a:t>대상</a:t>
+            </a:r>
+            <a:r>
+              <a:rPr lang="en-US" altLang="ko-KR"/>
+              <a:t>(T):  </a:t>
+            </a:r>
+            <a:r>
+              <a:rPr lang="ko-KR" altLang="en-US"/>
+              <a:t>내용중 </a:t>
+            </a:r>
+            <a:r>
+              <a:rPr lang="en-US" altLang="ko-KR"/>
+              <a:t>script.py</a:t>
+            </a:r>
+            <a:r>
+              <a:rPr lang="ko-KR" altLang="en-US"/>
+              <a:t> 뒤의 </a:t>
+            </a:r>
+            <a:r>
+              <a:rPr lang="en-US" altLang="ko-KR"/>
+              <a:t>%</a:t>
+            </a:r>
+            <a:r>
+              <a:rPr lang="ko-KR" altLang="en-US"/>
+              <a:t>로 시작하는 부분 삭제</a:t>
+            </a:r>
+            <a:endParaRPr lang="ko-KR" altLang="en-US"/>
+          </a:p>
+        </p:txBody>
+      </p:sp>
+    </p:spTree>
+    <p:extLst>
+      <p:ext uri="{BB962C8B-B14F-4D97-AF65-F5344CB8AC3E}">
+        <p14:creationId xmlns:p14="http://schemas.microsoft.com/office/powerpoint/2010/main" val="1980948035"/>
+      </p:ext>
+    </p:extLst>
+  </p:cSld>
+  <p:clrMapOvr>
+    <a:masterClrMapping/>
+  </p:clrMapOvr>
+</p:sld>
+</file>
+
+<file path=ppt/slides/slide33.xml><?xml version="1.0" encoding="utf-8"?>
 <p:sld xmlns:r="http://schemas.openxmlformats.org/officeDocument/2006/relationships" xmlns:c="http://schemas.openxmlformats.org/drawingml/2006/chart" xmlns:a="http://schemas.openxmlformats.org/drawingml/2006/main" xmlns:dgm="http://schemas.openxmlformats.org/drawingml/2006/diagram" xmlns:dsp="http://schemas.microsoft.com/office/drawing/2008/diagram" xmlns:p="http://schemas.openxmlformats.org/presentationml/2006/main">
   <p:cSld>
     <p:spTree>
